--- a/ppt/프레젠테이션1.pptx
+++ b/ppt/프레젠테이션1.pptx
@@ -5,8 +5,10 @@
     <p:sldMasterId id="2147483648" r:id="rId1"/>
   </p:sldMasterIdLst>
   <p:sldIdLst>
-    <p:sldId id="256" r:id="rId2"/>
-    <p:sldId id="257" r:id="rId3"/>
+    <p:sldId id="258" r:id="rId2"/>
+    <p:sldId id="259" r:id="rId3"/>
+    <p:sldId id="256" r:id="rId4"/>
+    <p:sldId id="257" r:id="rId5"/>
   </p:sldIdLst>
   <p:sldSz cx="9144000" cy="6858000" type="screen4x3"/>
   <p:notesSz cx="6858000" cy="9144000"/>
@@ -3099,6 +3101,707 @@
           <a:chExt cx="0" cy="0"/>
         </a:xfrm>
       </p:grpSpPr>
+      <p:pic>
+        <p:nvPicPr>
+          <p:cNvPr id="4" name="그림 3"/>
+          <p:cNvPicPr>
+            <a:picLocks noChangeAspect="1"/>
+          </p:cNvPicPr>
+          <p:nvPr/>
+        </p:nvPicPr>
+        <p:blipFill>
+          <a:blip r:embed="rId2">
+            <a:extLst>
+              <a:ext uri="{28A0092B-C50C-407E-A947-70E740481C1C}">
+                <a14:useLocalDpi xmlns:a14="http://schemas.microsoft.com/office/drawing/2010/main" val="0"/>
+              </a:ext>
+            </a:extLst>
+          </a:blip>
+          <a:stretch>
+            <a:fillRect/>
+          </a:stretch>
+        </p:blipFill>
+        <p:spPr>
+          <a:xfrm>
+            <a:off x="0" y="2241188"/>
+            <a:ext cx="9144001" cy="4614333"/>
+          </a:xfrm>
+          <a:prstGeom prst="rect">
+            <a:avLst/>
+          </a:prstGeom>
+        </p:spPr>
+      </p:pic>
+      <p:sp>
+        <p:nvSpPr>
+          <p:cNvPr id="5" name="TextBox 4"/>
+          <p:cNvSpPr txBox="1"/>
+          <p:nvPr/>
+        </p:nvSpPr>
+        <p:spPr>
+          <a:xfrm>
+            <a:off x="0" y="3922913"/>
+            <a:ext cx="9144000" cy="369333"/>
+          </a:xfrm>
+          <a:prstGeom prst="rect">
+            <a:avLst/>
+          </a:prstGeom>
+          <a:noFill/>
+        </p:spPr>
+        <p:txBody>
+          <a:bodyPr wrap="square" rtlCol="0">
+            <a:spAutoFit/>
+          </a:bodyPr>
+          <a:lstStyle/>
+          <a:p>
+            <a:pPr algn="ctr"/>
+            <a:r>
+              <a:rPr lang="en-US" altLang="ko-KR" b="1" dirty="0" smtClean="0">
+                <a:solidFill>
+                  <a:schemeClr val="bg1">
+                    <a:alpha val="63000"/>
+                  </a:schemeClr>
+                </a:solidFill>
+                <a:latin typeface="나눔명조" panose="02020603020101020101" pitchFamily="18" charset="-127"/>
+                <a:ea typeface="나눔명조" panose="02020603020101020101" pitchFamily="18" charset="-127"/>
+              </a:rPr>
+              <a:t>- </a:t>
+            </a:r>
+            <a:r>
+              <a:rPr lang="ko-KR" altLang="en-US" b="1" dirty="0" err="1" smtClean="0">
+                <a:solidFill>
+                  <a:schemeClr val="bg1">
+                    <a:alpha val="63000"/>
+                  </a:schemeClr>
+                </a:solidFill>
+                <a:latin typeface="나눔명조" panose="02020603020101020101" pitchFamily="18" charset="-127"/>
+                <a:ea typeface="나눔명조" panose="02020603020101020101" pitchFamily="18" charset="-127"/>
+              </a:rPr>
+              <a:t>효자스러운</a:t>
+            </a:r>
+            <a:r>
+              <a:rPr lang="ko-KR" altLang="en-US" b="1" dirty="0" smtClean="0">
+                <a:solidFill>
+                  <a:schemeClr val="bg1">
+                    <a:alpha val="63000"/>
+                  </a:schemeClr>
+                </a:solidFill>
+                <a:latin typeface="나눔명조" panose="02020603020101020101" pitchFamily="18" charset="-127"/>
+                <a:ea typeface="나눔명조" panose="02020603020101020101" pitchFamily="18" charset="-127"/>
+              </a:rPr>
+              <a:t> 부모님 폰의 종합선물세트 </a:t>
+            </a:r>
+            <a:r>
+              <a:rPr lang="en-US" altLang="ko-KR" b="1" dirty="0" smtClean="0">
+                <a:solidFill>
+                  <a:schemeClr val="bg1">
+                    <a:alpha val="63000"/>
+                  </a:schemeClr>
+                </a:solidFill>
+                <a:latin typeface="나눔명조" panose="02020603020101020101" pitchFamily="18" charset="-127"/>
+                <a:ea typeface="나눔명조" panose="02020603020101020101" pitchFamily="18" charset="-127"/>
+              </a:rPr>
+              <a:t>-</a:t>
+            </a:r>
+            <a:endParaRPr lang="ko-KR" altLang="en-US" b="1" dirty="0">
+              <a:solidFill>
+                <a:schemeClr val="bg1">
+                  <a:alpha val="63000"/>
+                </a:schemeClr>
+              </a:solidFill>
+              <a:latin typeface="나눔명조" panose="02020603020101020101" pitchFamily="18" charset="-127"/>
+              <a:ea typeface="나눔명조" panose="02020603020101020101" pitchFamily="18" charset="-127"/>
+            </a:endParaRPr>
+          </a:p>
+        </p:txBody>
+      </p:sp>
+      <p:sp>
+        <p:nvSpPr>
+          <p:cNvPr id="6" name="TextBox 5"/>
+          <p:cNvSpPr txBox="1"/>
+          <p:nvPr/>
+        </p:nvSpPr>
+        <p:spPr>
+          <a:xfrm>
+            <a:off x="0" y="6180083"/>
+            <a:ext cx="9143999" cy="400110"/>
+          </a:xfrm>
+          <a:prstGeom prst="rect">
+            <a:avLst/>
+          </a:prstGeom>
+          <a:noFill/>
+        </p:spPr>
+        <p:txBody>
+          <a:bodyPr wrap="square" rtlCol="0">
+            <a:spAutoFit/>
+          </a:bodyPr>
+          <a:lstStyle/>
+          <a:p>
+            <a:pPr algn="ctr"/>
+            <a:r>
+              <a:rPr lang="en-US" altLang="ko-KR" sz="2000" b="1" dirty="0" smtClean="0">
+                <a:solidFill>
+                  <a:schemeClr val="bg1">
+                    <a:alpha val="28000"/>
+                  </a:schemeClr>
+                </a:solidFill>
+                <a:latin typeface="나눔명조" panose="02020603020101020101" pitchFamily="18" charset="-127"/>
+                <a:ea typeface="나눔명조" panose="02020603020101020101" pitchFamily="18" charset="-127"/>
+              </a:rPr>
+              <a:t>2015 </a:t>
+            </a:r>
+            <a:r>
+              <a:rPr lang="ko-KR" altLang="en-US" sz="2000" b="1" dirty="0" smtClean="0">
+                <a:solidFill>
+                  <a:schemeClr val="bg1">
+                    <a:alpha val="28000"/>
+                  </a:schemeClr>
+                </a:solidFill>
+                <a:latin typeface="나눔명조" panose="02020603020101020101" pitchFamily="18" charset="-127"/>
+                <a:ea typeface="나눔명조" panose="02020603020101020101" pitchFamily="18" charset="-127"/>
+              </a:rPr>
+              <a:t>팀 이름</a:t>
+            </a:r>
+            <a:endParaRPr lang="ko-KR" altLang="en-US" sz="2000" b="1" dirty="0">
+              <a:solidFill>
+                <a:schemeClr val="bg1">
+                  <a:alpha val="28000"/>
+                </a:schemeClr>
+              </a:solidFill>
+              <a:latin typeface="나눔명조" panose="02020603020101020101" pitchFamily="18" charset="-127"/>
+              <a:ea typeface="나눔명조" panose="02020603020101020101" pitchFamily="18" charset="-127"/>
+            </a:endParaRPr>
+          </a:p>
+        </p:txBody>
+      </p:sp>
+    </p:spTree>
+    <p:extLst>
+      <p:ext uri="{BB962C8B-B14F-4D97-AF65-F5344CB8AC3E}">
+        <p14:creationId xmlns:p14="http://schemas.microsoft.com/office/powerpoint/2010/main" val="4065598003"/>
+      </p:ext>
+    </p:extLst>
+  </p:cSld>
+  <p:clrMapOvr>
+    <a:masterClrMapping/>
+  </p:clrMapOvr>
+</p:sld>
+</file>
+
+<file path=ppt/slides/slide2.xml><?xml version="1.0" encoding="utf-8"?>
+<p:sld xmlns:a="http://schemas.openxmlformats.org/drawingml/2006/main" xmlns:r="http://schemas.openxmlformats.org/officeDocument/2006/relationships" xmlns:p="http://schemas.openxmlformats.org/presentationml/2006/main">
+  <p:cSld>
+    <p:spTree>
+      <p:nvGrpSpPr>
+        <p:cNvPr id="1" name=""/>
+        <p:cNvGrpSpPr/>
+        <p:nvPr/>
+      </p:nvGrpSpPr>
+      <p:grpSpPr>
+        <a:xfrm>
+          <a:off x="0" y="0"/>
+          <a:ext cx="0" cy="0"/>
+          <a:chOff x="0" y="0"/>
+          <a:chExt cx="0" cy="0"/>
+        </a:xfrm>
+      </p:grpSpPr>
+      <p:sp>
+        <p:nvSpPr>
+          <p:cNvPr id="2" name="타원 1"/>
+          <p:cNvSpPr/>
+          <p:nvPr/>
+        </p:nvSpPr>
+        <p:spPr>
+          <a:xfrm>
+            <a:off x="8237692" y="200557"/>
+            <a:ext cx="698904" cy="698904"/>
+          </a:xfrm>
+          <a:prstGeom prst="ellipse">
+            <a:avLst/>
+          </a:prstGeom>
+          <a:solidFill>
+            <a:srgbClr val="DD4B4B"/>
+          </a:solidFill>
+          <a:ln>
+            <a:noFill/>
+          </a:ln>
+        </p:spPr>
+        <p:style>
+          <a:lnRef idx="2">
+            <a:schemeClr val="accent1">
+              <a:shade val="50000"/>
+            </a:schemeClr>
+          </a:lnRef>
+          <a:fillRef idx="1">
+            <a:schemeClr val="accent1"/>
+          </a:fillRef>
+          <a:effectRef idx="0">
+            <a:schemeClr val="accent1"/>
+          </a:effectRef>
+          <a:fontRef idx="minor">
+            <a:schemeClr val="lt1"/>
+          </a:fontRef>
+        </p:style>
+        <p:txBody>
+          <a:bodyPr rtlCol="0" anchor="ctr"/>
+          <a:lstStyle/>
+          <a:p>
+            <a:pPr algn="ctr"/>
+            <a:endParaRPr lang="ko-KR" altLang="en-US"/>
+          </a:p>
+        </p:txBody>
+      </p:sp>
+      <p:sp>
+        <p:nvSpPr>
+          <p:cNvPr id="3" name="TextBox 2"/>
+          <p:cNvSpPr txBox="1"/>
+          <p:nvPr/>
+        </p:nvSpPr>
+        <p:spPr>
+          <a:xfrm>
+            <a:off x="8265019" y="250860"/>
+            <a:ext cx="421910" cy="338554"/>
+          </a:xfrm>
+          <a:prstGeom prst="rect">
+            <a:avLst/>
+          </a:prstGeom>
+          <a:noFill/>
+        </p:spPr>
+        <p:txBody>
+          <a:bodyPr wrap="none" rtlCol="0">
+            <a:spAutoFit/>
+          </a:bodyPr>
+          <a:lstStyle/>
+          <a:p>
+            <a:pPr algn="ctr"/>
+            <a:r>
+              <a:rPr lang="en-US" altLang="ko-KR" sz="1600" b="1" dirty="0" smtClean="0">
+                <a:solidFill>
+                  <a:schemeClr val="bg1"/>
+                </a:solidFill>
+                <a:latin typeface="+mj-ea"/>
+                <a:ea typeface="+mj-ea"/>
+              </a:rPr>
+              <a:t>02</a:t>
+            </a:r>
+            <a:endParaRPr lang="ko-KR" altLang="en-US" sz="1600" b="1" dirty="0">
+              <a:solidFill>
+                <a:schemeClr val="bg1"/>
+              </a:solidFill>
+              <a:latin typeface="+mj-ea"/>
+              <a:ea typeface="+mj-ea"/>
+            </a:endParaRPr>
+          </a:p>
+        </p:txBody>
+      </p:sp>
+      <p:sp>
+        <p:nvSpPr>
+          <p:cNvPr id="4" name="TextBox 3"/>
+          <p:cNvSpPr txBox="1"/>
+          <p:nvPr/>
+        </p:nvSpPr>
+        <p:spPr>
+          <a:xfrm>
+            <a:off x="8474863" y="533459"/>
+            <a:ext cx="412292" cy="338554"/>
+          </a:xfrm>
+          <a:prstGeom prst="rect">
+            <a:avLst/>
+          </a:prstGeom>
+          <a:noFill/>
+        </p:spPr>
+        <p:txBody>
+          <a:bodyPr wrap="none" rtlCol="0">
+            <a:spAutoFit/>
+          </a:bodyPr>
+          <a:lstStyle/>
+          <a:p>
+            <a:pPr algn="ctr"/>
+            <a:r>
+              <a:rPr lang="en-US" altLang="ko-KR" sz="1600" dirty="0" smtClean="0">
+                <a:solidFill>
+                  <a:schemeClr val="bg1">
+                    <a:alpha val="85000"/>
+                  </a:schemeClr>
+                </a:solidFill>
+                <a:latin typeface="+mj-ea"/>
+                <a:ea typeface="+mj-ea"/>
+              </a:rPr>
+              <a:t>10</a:t>
+            </a:r>
+            <a:endParaRPr lang="ko-KR" altLang="en-US" sz="1600" dirty="0">
+              <a:solidFill>
+                <a:schemeClr val="bg1">
+                  <a:alpha val="85000"/>
+                </a:schemeClr>
+              </a:solidFill>
+              <a:latin typeface="+mj-ea"/>
+              <a:ea typeface="+mj-ea"/>
+            </a:endParaRPr>
+          </a:p>
+        </p:txBody>
+      </p:sp>
+      <p:sp>
+        <p:nvSpPr>
+          <p:cNvPr id="5" name="모서리가 둥근 직사각형 4"/>
+          <p:cNvSpPr/>
+          <p:nvPr/>
+        </p:nvSpPr>
+        <p:spPr>
+          <a:xfrm rot="18900000">
+            <a:off x="8402621" y="537731"/>
+            <a:ext cx="396000" cy="18000"/>
+          </a:xfrm>
+          <a:prstGeom prst="roundRect">
+            <a:avLst/>
+          </a:prstGeom>
+          <a:solidFill>
+            <a:schemeClr val="bg1">
+              <a:alpha val="50000"/>
+            </a:schemeClr>
+          </a:solidFill>
+          <a:ln>
+            <a:noFill/>
+          </a:ln>
+        </p:spPr>
+        <p:style>
+          <a:lnRef idx="2">
+            <a:schemeClr val="accent1">
+              <a:shade val="50000"/>
+            </a:schemeClr>
+          </a:lnRef>
+          <a:fillRef idx="1">
+            <a:schemeClr val="accent1"/>
+          </a:fillRef>
+          <a:effectRef idx="0">
+            <a:schemeClr val="accent1"/>
+          </a:effectRef>
+          <a:fontRef idx="minor">
+            <a:schemeClr val="lt1"/>
+          </a:fontRef>
+        </p:style>
+        <p:txBody>
+          <a:bodyPr rtlCol="0" anchor="ctr"/>
+          <a:lstStyle/>
+          <a:p>
+            <a:pPr algn="ctr"/>
+            <a:endParaRPr lang="ko-KR" altLang="en-US"/>
+          </a:p>
+        </p:txBody>
+      </p:sp>
+      <p:sp>
+        <p:nvSpPr>
+          <p:cNvPr id="6" name="타원 5"/>
+          <p:cNvSpPr/>
+          <p:nvPr/>
+        </p:nvSpPr>
+        <p:spPr>
+          <a:xfrm>
+            <a:off x="201880" y="761476"/>
+            <a:ext cx="137985" cy="137985"/>
+          </a:xfrm>
+          <a:prstGeom prst="ellipse">
+            <a:avLst/>
+          </a:prstGeom>
+          <a:solidFill>
+            <a:schemeClr val="bg1">
+              <a:alpha val="26000"/>
+            </a:schemeClr>
+          </a:solidFill>
+          <a:ln>
+            <a:noFill/>
+          </a:ln>
+        </p:spPr>
+        <p:style>
+          <a:lnRef idx="2">
+            <a:schemeClr val="accent1">
+              <a:shade val="50000"/>
+            </a:schemeClr>
+          </a:lnRef>
+          <a:fillRef idx="1">
+            <a:schemeClr val="accent1"/>
+          </a:fillRef>
+          <a:effectRef idx="0">
+            <a:schemeClr val="accent1"/>
+          </a:effectRef>
+          <a:fontRef idx="minor">
+            <a:schemeClr val="lt1"/>
+          </a:fontRef>
+        </p:style>
+        <p:txBody>
+          <a:bodyPr rtlCol="0" anchor="ctr"/>
+          <a:lstStyle/>
+          <a:p>
+            <a:pPr algn="ctr"/>
+            <a:endParaRPr lang="ko-KR" altLang="en-US"/>
+          </a:p>
+        </p:txBody>
+      </p:sp>
+      <p:sp>
+        <p:nvSpPr>
+          <p:cNvPr id="7" name="TextBox 6"/>
+          <p:cNvSpPr txBox="1"/>
+          <p:nvPr/>
+        </p:nvSpPr>
+        <p:spPr>
+          <a:xfrm>
+            <a:off x="122180" y="168189"/>
+            <a:ext cx="9144000" cy="584775"/>
+          </a:xfrm>
+          <a:prstGeom prst="rect">
+            <a:avLst/>
+          </a:prstGeom>
+          <a:noFill/>
+        </p:spPr>
+        <p:txBody>
+          <a:bodyPr wrap="square" rtlCol="0">
+            <a:spAutoFit/>
+          </a:bodyPr>
+          <a:lstStyle/>
+          <a:p>
+            <a:r>
+              <a:rPr lang="ko-KR" altLang="en-US" sz="3200" b="1" dirty="0" smtClean="0">
+                <a:solidFill>
+                  <a:schemeClr val="bg1"/>
+                </a:solidFill>
+                <a:latin typeface="나눔명조" panose="02020603020101020101" pitchFamily="18" charset="-127"/>
+                <a:ea typeface="나눔명조" panose="02020603020101020101" pitchFamily="18" charset="-127"/>
+              </a:rPr>
+              <a:t>목차</a:t>
+            </a:r>
+            <a:endParaRPr lang="ko-KR" altLang="en-US" sz="3200" b="1" dirty="0">
+              <a:solidFill>
+                <a:schemeClr val="bg1"/>
+              </a:solidFill>
+              <a:latin typeface="나눔명조" panose="02020603020101020101" pitchFamily="18" charset="-127"/>
+              <a:ea typeface="나눔명조" panose="02020603020101020101" pitchFamily="18" charset="-127"/>
+            </a:endParaRPr>
+          </a:p>
+        </p:txBody>
+      </p:sp>
+      <p:sp>
+        <p:nvSpPr>
+          <p:cNvPr id="8" name="TextBox 7"/>
+          <p:cNvSpPr txBox="1"/>
+          <p:nvPr/>
+        </p:nvSpPr>
+        <p:spPr>
+          <a:xfrm>
+            <a:off x="312415" y="665552"/>
+            <a:ext cx="9144000" cy="307777"/>
+          </a:xfrm>
+          <a:prstGeom prst="rect">
+            <a:avLst/>
+          </a:prstGeom>
+          <a:noFill/>
+        </p:spPr>
+        <p:txBody>
+          <a:bodyPr wrap="square" rtlCol="0">
+            <a:spAutoFit/>
+          </a:bodyPr>
+          <a:lstStyle/>
+          <a:p>
+            <a:r>
+              <a:rPr lang="en-US" altLang="ko-KR" sz="1400" dirty="0" smtClean="0">
+                <a:solidFill>
+                  <a:schemeClr val="bg1">
+                    <a:alpha val="45000"/>
+                  </a:schemeClr>
+                </a:solidFill>
+              </a:rPr>
+              <a:t>Table of Contents</a:t>
+            </a:r>
+            <a:endParaRPr lang="en-US" altLang="ko-KR" sz="1400" dirty="0" smtClean="0">
+              <a:solidFill>
+                <a:schemeClr val="bg1">
+                  <a:alpha val="45000"/>
+                </a:schemeClr>
+              </a:solidFill>
+            </a:endParaRPr>
+          </a:p>
+        </p:txBody>
+      </p:sp>
+      <p:sp>
+        <p:nvSpPr>
+          <p:cNvPr id="9" name="TextBox 8"/>
+          <p:cNvSpPr txBox="1"/>
+          <p:nvPr/>
+        </p:nvSpPr>
+        <p:spPr>
+          <a:xfrm>
+            <a:off x="683568" y="1628800"/>
+            <a:ext cx="2710999" cy="3785652"/>
+          </a:xfrm>
+          <a:prstGeom prst="rect">
+            <a:avLst/>
+          </a:prstGeom>
+          <a:noFill/>
+        </p:spPr>
+        <p:txBody>
+          <a:bodyPr wrap="none" rtlCol="0">
+            <a:spAutoFit/>
+          </a:bodyPr>
+          <a:lstStyle/>
+          <a:p>
+            <a:pPr marL="571500" indent="-571500">
+              <a:spcBef>
+                <a:spcPts val="1200"/>
+              </a:spcBef>
+              <a:buFont typeface="Wingdings" pitchFamily="2" charset="2"/>
+              <a:buChar char="v"/>
+            </a:pPr>
+            <a:r>
+              <a:rPr lang="ko-KR" altLang="en-US" sz="4000" dirty="0" smtClean="0">
+                <a:solidFill>
+                  <a:schemeClr val="bg1"/>
+                </a:solidFill>
+                <a:latin typeface="나눔명조" pitchFamily="18" charset="-127"/>
+                <a:ea typeface="나눔명조" pitchFamily="18" charset="-127"/>
+              </a:rPr>
+              <a:t>개발동기</a:t>
+            </a:r>
+            <a:endParaRPr lang="en-US" altLang="ko-KR" sz="4000" dirty="0">
+              <a:solidFill>
+                <a:schemeClr val="bg1"/>
+              </a:solidFill>
+              <a:latin typeface="나눔명조" pitchFamily="18" charset="-127"/>
+              <a:ea typeface="나눔명조" pitchFamily="18" charset="-127"/>
+            </a:endParaRPr>
+          </a:p>
+          <a:p>
+            <a:pPr marL="571500" indent="-571500">
+              <a:spcBef>
+                <a:spcPts val="1200"/>
+              </a:spcBef>
+              <a:buFont typeface="Wingdings" pitchFamily="2" charset="2"/>
+              <a:buChar char="v"/>
+            </a:pPr>
+            <a:r>
+              <a:rPr lang="ko-KR" altLang="en-US" sz="4000" dirty="0" smtClean="0">
+                <a:solidFill>
+                  <a:schemeClr val="bg1"/>
+                </a:solidFill>
+                <a:latin typeface="나눔명조" pitchFamily="18" charset="-127"/>
+                <a:ea typeface="나눔명조" pitchFamily="18" charset="-127"/>
+              </a:rPr>
+              <a:t>필요성</a:t>
+            </a:r>
+            <a:endParaRPr lang="en-US" altLang="ko-KR" sz="4000" dirty="0" smtClean="0">
+              <a:solidFill>
+                <a:schemeClr val="bg1"/>
+              </a:solidFill>
+              <a:latin typeface="나눔명조" pitchFamily="18" charset="-127"/>
+              <a:ea typeface="나눔명조" pitchFamily="18" charset="-127"/>
+            </a:endParaRPr>
+          </a:p>
+          <a:p>
+            <a:pPr marL="571500" indent="-571500">
+              <a:spcBef>
+                <a:spcPts val="1200"/>
+              </a:spcBef>
+              <a:buFont typeface="Wingdings" pitchFamily="2" charset="2"/>
+              <a:buChar char="v"/>
+            </a:pPr>
+            <a:r>
+              <a:rPr lang="ko-KR" altLang="en-US" sz="4000" dirty="0" smtClean="0">
+                <a:solidFill>
+                  <a:schemeClr val="bg1"/>
+                </a:solidFill>
+                <a:latin typeface="나눔명조" pitchFamily="18" charset="-127"/>
+                <a:ea typeface="나눔명조" pitchFamily="18" charset="-127"/>
+              </a:rPr>
+              <a:t>기능</a:t>
+            </a:r>
+            <a:endParaRPr lang="en-US" altLang="ko-KR" sz="4000" dirty="0" smtClean="0">
+              <a:solidFill>
+                <a:schemeClr val="bg1"/>
+              </a:solidFill>
+              <a:latin typeface="나눔명조" pitchFamily="18" charset="-127"/>
+              <a:ea typeface="나눔명조" pitchFamily="18" charset="-127"/>
+            </a:endParaRPr>
+          </a:p>
+          <a:p>
+            <a:pPr marL="571500" indent="-571500">
+              <a:spcBef>
+                <a:spcPts val="1200"/>
+              </a:spcBef>
+              <a:buFont typeface="Wingdings" pitchFamily="2" charset="2"/>
+              <a:buChar char="v"/>
+            </a:pPr>
+            <a:r>
+              <a:rPr lang="ko-KR" altLang="en-US" sz="4000" dirty="0" smtClean="0">
+                <a:solidFill>
+                  <a:schemeClr val="bg1"/>
+                </a:solidFill>
+                <a:latin typeface="나눔명조" pitchFamily="18" charset="-127"/>
+                <a:ea typeface="나눔명조" pitchFamily="18" charset="-127"/>
+              </a:rPr>
+              <a:t>수익구조</a:t>
+            </a:r>
+            <a:endParaRPr lang="en-US" altLang="ko-KR" sz="4000" dirty="0" smtClean="0">
+              <a:solidFill>
+                <a:schemeClr val="bg1"/>
+              </a:solidFill>
+              <a:latin typeface="나눔명조" pitchFamily="18" charset="-127"/>
+              <a:ea typeface="나눔명조" pitchFamily="18" charset="-127"/>
+            </a:endParaRPr>
+          </a:p>
+          <a:p>
+            <a:pPr marL="571500" indent="-571500">
+              <a:spcBef>
+                <a:spcPts val="1200"/>
+              </a:spcBef>
+              <a:buFont typeface="Wingdings" pitchFamily="2" charset="2"/>
+              <a:buChar char="v"/>
+            </a:pPr>
+            <a:r>
+              <a:rPr lang="ko-KR" altLang="en-US" sz="4000" dirty="0" smtClean="0">
+                <a:solidFill>
+                  <a:schemeClr val="bg1"/>
+                </a:solidFill>
+                <a:latin typeface="나눔명조" pitchFamily="18" charset="-127"/>
+                <a:ea typeface="나눔명조" pitchFamily="18" charset="-127"/>
+              </a:rPr>
+              <a:t>시연</a:t>
+            </a:r>
+            <a:endParaRPr lang="en-US" altLang="ko-KR" sz="4000" dirty="0" smtClean="0">
+              <a:solidFill>
+                <a:schemeClr val="bg1"/>
+              </a:solidFill>
+              <a:latin typeface="나눔명조" pitchFamily="18" charset="-127"/>
+              <a:ea typeface="나눔명조" pitchFamily="18" charset="-127"/>
+            </a:endParaRPr>
+          </a:p>
+        </p:txBody>
+      </p:sp>
+    </p:spTree>
+    <p:extLst>
+      <p:ext uri="{BB962C8B-B14F-4D97-AF65-F5344CB8AC3E}">
+        <p14:creationId xmlns:p14="http://schemas.microsoft.com/office/powerpoint/2010/main" val="1990106349"/>
+      </p:ext>
+    </p:extLst>
+  </p:cSld>
+  <p:clrMapOvr>
+    <a:masterClrMapping/>
+  </p:clrMapOvr>
+</p:sld>
+</file>
+
+<file path=ppt/slides/slide3.xml><?xml version="1.0" encoding="utf-8"?>
+<p:sld xmlns:a="http://schemas.openxmlformats.org/drawingml/2006/main" xmlns:r="http://schemas.openxmlformats.org/officeDocument/2006/relationships" xmlns:p="http://schemas.openxmlformats.org/presentationml/2006/main">
+  <p:cSld>
+    <p:spTree>
+      <p:nvGrpSpPr>
+        <p:cNvPr id="1" name=""/>
+        <p:cNvGrpSpPr/>
+        <p:nvPr/>
+      </p:nvGrpSpPr>
+      <p:grpSpPr>
+        <a:xfrm>
+          <a:off x="0" y="0"/>
+          <a:ext cx="0" cy="0"/>
+          <a:chOff x="0" y="0"/>
+          <a:chExt cx="0" cy="0"/>
+        </a:xfrm>
+      </p:grpSpPr>
       <p:sp>
         <p:nvSpPr>
           <p:cNvPr id="4" name="타원 3"/>
@@ -3266,7 +3969,7 @@
 </p:sld>
 </file>
 
-<file path=ppt/slides/slide2.xml><?xml version="1.0" encoding="utf-8"?>
+<file path=ppt/slides/slide4.xml><?xml version="1.0" encoding="utf-8"?>
 <p:sld xmlns:a="http://schemas.openxmlformats.org/drawingml/2006/main" xmlns:r="http://schemas.openxmlformats.org/officeDocument/2006/relationships" xmlns:p="http://schemas.openxmlformats.org/presentationml/2006/main">
   <p:cSld>
     <p:spTree>
@@ -3403,7 +4106,17 @@
                   </a:schemeClr>
                 </a:solidFill>
               </a:rPr>
-              <a:t>Development motive</a:t>
+              <a:t>Development </a:t>
+            </a:r>
+            <a:r>
+              <a:rPr lang="en-US" altLang="ko-KR" sz="1400" dirty="0" smtClean="0">
+                <a:solidFill>
+                  <a:schemeClr val="bg1">
+                    <a:alpha val="45000"/>
+                  </a:schemeClr>
+                </a:solidFill>
+              </a:rPr>
+              <a:t>Motive</a:t>
             </a:r>
             <a:endParaRPr lang="en-US" altLang="ko-KR" sz="1400" dirty="0" smtClean="0">
               <a:solidFill>
@@ -3492,7 +4205,7 @@
                 <a:latin typeface="+mj-ea"/>
                 <a:ea typeface="+mj-ea"/>
               </a:rPr>
-              <a:t>01</a:t>
+              <a:t>04</a:t>
             </a:r>
             <a:endParaRPr lang="ko-KR" altLang="en-US" sz="1600" b="1" dirty="0">
               <a:solidFill>
@@ -3596,48 +4309,6 @@
           <a:p>
             <a:pPr algn="ctr"/>
             <a:endParaRPr lang="ko-KR" altLang="en-US"/>
-          </a:p>
-        </p:txBody>
-      </p:sp>
-      <p:sp>
-        <p:nvSpPr>
-          <p:cNvPr id="11" name="TextBox 10"/>
-          <p:cNvSpPr txBox="1"/>
-          <p:nvPr/>
-        </p:nvSpPr>
-        <p:spPr>
-          <a:xfrm>
-            <a:off x="1403648" y="3136612"/>
-            <a:ext cx="5148096" cy="584775"/>
-          </a:xfrm>
-          <a:prstGeom prst="rect">
-            <a:avLst/>
-          </a:prstGeom>
-          <a:noFill/>
-        </p:spPr>
-        <p:txBody>
-          <a:bodyPr wrap="square" rtlCol="0">
-            <a:spAutoFit/>
-          </a:bodyPr>
-          <a:lstStyle/>
-          <a:p>
-            <a:r>
-              <a:rPr lang="ko-KR" altLang="en-US" sz="3200" b="1" dirty="0" smtClean="0">
-                <a:solidFill>
-                  <a:schemeClr val="bg1"/>
-                </a:solidFill>
-                <a:latin typeface="나눔명조" panose="02020603020101020101" pitchFamily="18" charset="-127"/>
-                <a:ea typeface="나눔명조" panose="02020603020101020101" pitchFamily="18" charset="-127"/>
-              </a:rPr>
-              <a:t>개발 동기</a:t>
-            </a:r>
-            <a:endParaRPr lang="ko-KR" altLang="en-US" sz="3200" b="1" dirty="0">
-              <a:solidFill>
-                <a:schemeClr val="bg1"/>
-              </a:solidFill>
-              <a:latin typeface="나눔명조" panose="02020603020101020101" pitchFamily="18" charset="-127"/>
-              <a:ea typeface="나눔명조" panose="02020603020101020101" pitchFamily="18" charset="-127"/>
-            </a:endParaRPr>
           </a:p>
         </p:txBody>
       </p:sp>

--- a/ppt/프레젠테이션1.pptx
+++ b/ppt/프레젠테이션1.pptx
@@ -9,6 +9,7 @@
     <p:sldId id="259" r:id="rId3"/>
     <p:sldId id="256" r:id="rId4"/>
     <p:sldId id="257" r:id="rId5"/>
+    <p:sldId id="260" r:id="rId6"/>
   </p:sldIdLst>
   <p:sldSz cx="9144000" cy="6858000" type="screen4x3"/>
   <p:notesSz cx="6858000" cy="9144000"/>
@@ -3609,13 +3610,6 @@
               </a:rPr>
               <a:t>Table of Contents</a:t>
             </a:r>
-            <a:endParaRPr lang="en-US" altLang="ko-KR" sz="1400" dirty="0" smtClean="0">
-              <a:solidFill>
-                <a:schemeClr val="bg1">
-                  <a:alpha val="45000"/>
-                </a:schemeClr>
-              </a:solidFill>
-            </a:endParaRPr>
           </a:p>
         </p:txBody>
       </p:sp>
@@ -3675,14 +3669,14 @@
               <a:buChar char="v"/>
             </a:pPr>
             <a:r>
-              <a:rPr lang="ko-KR" altLang="en-US" sz="4000" dirty="0" smtClean="0">
+              <a:rPr lang="ko-KR" altLang="en-US" sz="4000" dirty="0" err="1" smtClean="0">
                 <a:solidFill>
                   <a:schemeClr val="bg1"/>
                 </a:solidFill>
                 <a:latin typeface="나눔명조" pitchFamily="18" charset="-127"/>
                 <a:ea typeface="나눔명조" pitchFamily="18" charset="-127"/>
               </a:rPr>
-              <a:t>필요성</a:t>
+              <a:t>앱필요성</a:t>
             </a:r>
             <a:endParaRPr lang="en-US" altLang="ko-KR" sz="4000" dirty="0" smtClean="0">
               <a:solidFill>
@@ -4106,25 +4100,8 @@
                   </a:schemeClr>
                 </a:solidFill>
               </a:rPr>
-              <a:t>Development </a:t>
-            </a:r>
-            <a:r>
-              <a:rPr lang="en-US" altLang="ko-KR" sz="1400" dirty="0" smtClean="0">
-                <a:solidFill>
-                  <a:schemeClr val="bg1">
-                    <a:alpha val="45000"/>
-                  </a:schemeClr>
-                </a:solidFill>
-              </a:rPr>
-              <a:t>Motive</a:t>
-            </a:r>
-            <a:endParaRPr lang="en-US" altLang="ko-KR" sz="1400" dirty="0" smtClean="0">
-              <a:solidFill>
-                <a:schemeClr val="bg1">
-                  <a:alpha val="45000"/>
-                </a:schemeClr>
-              </a:solidFill>
-            </a:endParaRPr>
+              <a:t>Development Motive</a:t>
+            </a:r>
           </a:p>
         </p:txBody>
       </p:sp>
@@ -4316,6 +4293,36 @@
     <p:extLst>
       <p:ext uri="{BB962C8B-B14F-4D97-AF65-F5344CB8AC3E}">
         <p14:creationId xmlns:p14="http://schemas.microsoft.com/office/powerpoint/2010/main" val="1663952362"/>
+      </p:ext>
+    </p:extLst>
+  </p:cSld>
+  <p:clrMapOvr>
+    <a:masterClrMapping/>
+  </p:clrMapOvr>
+</p:sld>
+</file>
+
+<file path=ppt/slides/slide5.xml><?xml version="1.0" encoding="utf-8"?>
+<p:sld xmlns:a="http://schemas.openxmlformats.org/drawingml/2006/main" xmlns:r="http://schemas.openxmlformats.org/officeDocument/2006/relationships" xmlns:p="http://schemas.openxmlformats.org/presentationml/2006/main">
+  <p:cSld>
+    <p:spTree>
+      <p:nvGrpSpPr>
+        <p:cNvPr id="1" name=""/>
+        <p:cNvGrpSpPr/>
+        <p:nvPr/>
+      </p:nvGrpSpPr>
+      <p:grpSpPr>
+        <a:xfrm>
+          <a:off x="0" y="0"/>
+          <a:ext cx="0" cy="0"/>
+          <a:chOff x="0" y="0"/>
+          <a:chExt cx="0" cy="0"/>
+        </a:xfrm>
+      </p:grpSpPr>
+    </p:spTree>
+    <p:extLst>
+      <p:ext uri="{BB962C8B-B14F-4D97-AF65-F5344CB8AC3E}">
+        <p14:creationId xmlns:p14="http://schemas.microsoft.com/office/powerpoint/2010/main" val="2193469909"/>
       </p:ext>
     </p:extLst>
   </p:cSld>
